--- a/Case Study EDA Sid & Sean.pptx
+++ b/Case Study EDA Sid & Sean.pptx
@@ -7,16 +7,18 @@
   <p:sldIdLst>
     <p:sldId id="256" r:id="rId5"/>
     <p:sldId id="265" r:id="rId6"/>
-    <p:sldId id="266" r:id="rId7"/>
-    <p:sldId id="267" r:id="rId8"/>
-    <p:sldId id="260" r:id="rId9"/>
-    <p:sldId id="261" r:id="rId10"/>
-    <p:sldId id="262" r:id="rId11"/>
-    <p:sldId id="263" r:id="rId12"/>
-    <p:sldId id="264" r:id="rId13"/>
-    <p:sldId id="268" r:id="rId14"/>
-    <p:sldId id="269" r:id="rId15"/>
-    <p:sldId id="270" r:id="rId16"/>
+    <p:sldId id="272" r:id="rId7"/>
+    <p:sldId id="271" r:id="rId8"/>
+    <p:sldId id="266" r:id="rId9"/>
+    <p:sldId id="267" r:id="rId10"/>
+    <p:sldId id="260" r:id="rId11"/>
+    <p:sldId id="261" r:id="rId12"/>
+    <p:sldId id="262" r:id="rId13"/>
+    <p:sldId id="263" r:id="rId14"/>
+    <p:sldId id="264" r:id="rId15"/>
+    <p:sldId id="268" r:id="rId16"/>
+    <p:sldId id="269" r:id="rId17"/>
+    <p:sldId id="270" r:id="rId18"/>
   </p:sldIdLst>
   <p:sldSz cx="12192000" cy="6858000"/>
   <p:notesSz cx="6858000" cy="9144000"/>
@@ -4197,10 +4199,10 @@
       </p:grpSpPr>
       <p:sp>
         <p:nvSpPr>
-          <p:cNvPr id="8" name="Title 1">
+          <p:cNvPr id="2" name="Title 1">
             <a:extLst>
               <a:ext uri="{FF2B5EF4-FFF2-40B4-BE49-F238E27FC236}">
-                <a16:creationId xmlns:a16="http://schemas.microsoft.com/office/drawing/2014/main" id="{E5B491FC-34F1-46B2-BCC1-8F4A9F221E2D}"/>
+                <a16:creationId xmlns:a16="http://schemas.microsoft.com/office/drawing/2014/main" id="{DF70F0AD-0FFF-4E56-AFAF-BFE8E1EC5ABC}"/>
               </a:ext>
             </a:extLst>
           </p:cNvPr>
@@ -4213,29 +4215,29 @@
         </p:nvSpPr>
         <p:spPr>
           <a:xfrm>
-            <a:off x="1002852" y="335577"/>
-            <a:ext cx="10058400" cy="1450757"/>
+            <a:off x="1097280" y="286604"/>
+            <a:ext cx="10058400" cy="741008"/>
           </a:xfrm>
         </p:spPr>
         <p:txBody>
           <a:bodyPr>
-            <a:noAutofit/>
+            <a:normAutofit fontScale="90000"/>
           </a:bodyPr>
           <a:lstStyle/>
           <a:p>
             <a:r>
-              <a:rPr lang="en-US" sz="3200" dirty="0"/>
-              <a:t>Budweiser would also like to investigate the difference with respect to IBU and ABV between IPAs (India Pale Ales) and other types of Ale (any beer with “Ale” in its name other than IPA).</a:t>
+              <a:rPr lang="en-US" sz="2800" dirty="0"/>
+              <a:t>Is there an apparent relationship between the bitterness of the beer and its alcoholic content? Draw a scatter plot.</a:t>
             </a:r>
           </a:p>
         </p:txBody>
       </p:sp>
       <p:pic>
         <p:nvPicPr>
-          <p:cNvPr id="2" name="Picture 1">
+          <p:cNvPr id="6" name="Picture 5">
             <a:extLst>
               <a:ext uri="{FF2B5EF4-FFF2-40B4-BE49-F238E27FC236}">
-                <a16:creationId xmlns:a16="http://schemas.microsoft.com/office/drawing/2014/main" id="{356CB5E0-5AE4-4198-9BD1-D288C9DD896C}"/>
+                <a16:creationId xmlns:a16="http://schemas.microsoft.com/office/drawing/2014/main" id="{EB8E685E-7A8B-41E4-9857-C9A3C19BA436}"/>
               </a:ext>
             </a:extLst>
           </p:cNvPr>
@@ -4252,8 +4254,8 @@
         </p:blipFill>
         <p:spPr>
           <a:xfrm>
-            <a:off x="1081567" y="1658036"/>
-            <a:ext cx="4935718" cy="2812873"/>
+            <a:off x="702995" y="1132522"/>
+            <a:ext cx="5799715" cy="1209675"/>
           </a:xfrm>
           <a:prstGeom prst="rect">
             <a:avLst/>
@@ -4262,10 +4264,10 @@
       </p:pic>
       <p:pic>
         <p:nvPicPr>
-          <p:cNvPr id="3" name="Picture 2">
+          <p:cNvPr id="7" name="Picture 6">
             <a:extLst>
               <a:ext uri="{FF2B5EF4-FFF2-40B4-BE49-F238E27FC236}">
-                <a16:creationId xmlns:a16="http://schemas.microsoft.com/office/drawing/2014/main" id="{F6DF2A02-AFF9-4E0A-880E-FAC9015A6207}"/>
+                <a16:creationId xmlns:a16="http://schemas.microsoft.com/office/drawing/2014/main" id="{91139406-47F1-4B95-BF3A-1AD8222FEF2A}"/>
               </a:ext>
             </a:extLst>
           </p:cNvPr>
@@ -4282,8 +4284,38 @@
         </p:blipFill>
         <p:spPr>
           <a:xfrm>
-            <a:off x="6096000" y="1658036"/>
-            <a:ext cx="5590903" cy="4191000"/>
+            <a:off x="6502710" y="1132522"/>
+            <a:ext cx="5301363" cy="4267200"/>
+          </a:xfrm>
+          <a:prstGeom prst="rect">
+            <a:avLst/>
+          </a:prstGeom>
+        </p:spPr>
+      </p:pic>
+      <p:pic>
+        <p:nvPicPr>
+          <p:cNvPr id="8" name="Picture 7">
+            <a:extLst>
+              <a:ext uri="{FF2B5EF4-FFF2-40B4-BE49-F238E27FC236}">
+                <a16:creationId xmlns:a16="http://schemas.microsoft.com/office/drawing/2014/main" id="{58B8273B-B7BE-47D0-AF7D-1E9DDB20FF0A}"/>
+              </a:ext>
+            </a:extLst>
+          </p:cNvPr>
+          <p:cNvPicPr>
+            <a:picLocks noChangeAspect="1"/>
+          </p:cNvPicPr>
+          <p:nvPr/>
+        </p:nvPicPr>
+        <p:blipFill>
+          <a:blip r:embed="rId4"/>
+          <a:stretch>
+            <a:fillRect/>
+          </a:stretch>
+        </p:blipFill>
+        <p:spPr>
+          <a:xfrm>
+            <a:off x="702995" y="2318384"/>
+            <a:ext cx="5799714" cy="1810271"/>
           </a:xfrm>
           <a:prstGeom prst="rect">
             <a:avLst/>
@@ -4293,7 +4325,7 @@
     </p:spTree>
     <p:extLst>
       <p:ext uri="{BB962C8B-B14F-4D97-AF65-F5344CB8AC3E}">
-        <p14:creationId xmlns:p14="http://schemas.microsoft.com/office/powerpoint/2010/main" val="4254347546"/>
+        <p14:creationId xmlns:p14="http://schemas.microsoft.com/office/powerpoint/2010/main" val="1461542274"/>
       </p:ext>
     </p:extLst>
   </p:cSld>
@@ -4325,6 +4357,256 @@
           <p:cNvPr id="2" name="Title 1">
             <a:extLst>
               <a:ext uri="{FF2B5EF4-FFF2-40B4-BE49-F238E27FC236}">
+                <a16:creationId xmlns:a16="http://schemas.microsoft.com/office/drawing/2014/main" id="{2D90F74B-55B4-4AE1-95FC-8403FC7870AD}"/>
+              </a:ext>
+            </a:extLst>
+          </p:cNvPr>
+          <p:cNvSpPr>
+            <a:spLocks noGrp="1"/>
+          </p:cNvSpPr>
+          <p:nvPr>
+            <p:ph type="title"/>
+          </p:nvPr>
+        </p:nvSpPr>
+        <p:spPr>
+          <a:xfrm>
+            <a:off x="1002852" y="609600"/>
+            <a:ext cx="10058400" cy="600891"/>
+          </a:xfrm>
+        </p:spPr>
+        <p:txBody>
+          <a:bodyPr>
+            <a:noAutofit/>
+          </a:bodyPr>
+          <a:lstStyle/>
+          <a:p>
+            <a:r>
+              <a:rPr lang="en-US" sz="1800" dirty="0"/>
+              <a:t>Budweiser would also like to investigate the difference with respect to IBU and ABV between IPAs (India Pale Ales) and other types of Ale (any beer with “Ale” in its name other than IPA).</a:t>
+            </a:r>
+          </a:p>
+        </p:txBody>
+      </p:sp>
+      <p:pic>
+        <p:nvPicPr>
+          <p:cNvPr id="4" name="Picture 3">
+            <a:extLst>
+              <a:ext uri="{FF2B5EF4-FFF2-40B4-BE49-F238E27FC236}">
+                <a16:creationId xmlns:a16="http://schemas.microsoft.com/office/drawing/2014/main" id="{CCB51747-710E-4C71-823C-829B7ECC37BC}"/>
+              </a:ext>
+            </a:extLst>
+          </p:cNvPr>
+          <p:cNvPicPr>
+            <a:picLocks noChangeAspect="1"/>
+          </p:cNvPicPr>
+          <p:nvPr/>
+        </p:nvPicPr>
+        <p:blipFill>
+          <a:blip r:embed="rId2"/>
+          <a:stretch>
+            <a:fillRect/>
+          </a:stretch>
+        </p:blipFill>
+        <p:spPr>
+          <a:xfrm>
+            <a:off x="6423513" y="1512124"/>
+            <a:ext cx="5768487" cy="4142509"/>
+          </a:xfrm>
+          <a:prstGeom prst="rect">
+            <a:avLst/>
+          </a:prstGeom>
+        </p:spPr>
+      </p:pic>
+      <p:pic>
+        <p:nvPicPr>
+          <p:cNvPr id="3" name="Picture 2">
+            <a:extLst>
+              <a:ext uri="{FF2B5EF4-FFF2-40B4-BE49-F238E27FC236}">
+                <a16:creationId xmlns:a16="http://schemas.microsoft.com/office/drawing/2014/main" id="{8B094041-7281-423E-9AAF-65455478B733}"/>
+              </a:ext>
+            </a:extLst>
+          </p:cNvPr>
+          <p:cNvPicPr>
+            <a:picLocks noChangeAspect="1"/>
+          </p:cNvPicPr>
+          <p:nvPr/>
+        </p:nvPicPr>
+        <p:blipFill>
+          <a:blip r:embed="rId3"/>
+          <a:stretch>
+            <a:fillRect/>
+          </a:stretch>
+        </p:blipFill>
+        <p:spPr>
+          <a:xfrm>
+            <a:off x="852448" y="1512124"/>
+            <a:ext cx="5768487" cy="3833752"/>
+          </a:xfrm>
+          <a:prstGeom prst="rect">
+            <a:avLst/>
+          </a:prstGeom>
+        </p:spPr>
+      </p:pic>
+    </p:spTree>
+    <p:extLst>
+      <p:ext uri="{BB962C8B-B14F-4D97-AF65-F5344CB8AC3E}">
+        <p14:creationId xmlns:p14="http://schemas.microsoft.com/office/powerpoint/2010/main" val="4133721459"/>
+      </p:ext>
+    </p:extLst>
+  </p:cSld>
+  <p:clrMapOvr>
+    <a:masterClrMapping/>
+  </p:clrMapOvr>
+</p:sld>
+</file>
+
+<file path=ppt/slides/slide12.xml><?xml version="1.0" encoding="utf-8"?>
+<p:sld xmlns:a="http://schemas.openxmlformats.org/drawingml/2006/main" xmlns:r="http://schemas.openxmlformats.org/officeDocument/2006/relationships" xmlns:p="http://schemas.openxmlformats.org/presentationml/2006/main">
+  <p:cSld>
+    <p:spTree>
+      <p:nvGrpSpPr>
+        <p:cNvPr id="1" name=""/>
+        <p:cNvGrpSpPr/>
+        <p:nvPr/>
+      </p:nvGrpSpPr>
+      <p:grpSpPr>
+        <a:xfrm>
+          <a:off x="0" y="0"/>
+          <a:ext cx="0" cy="0"/>
+          <a:chOff x="0" y="0"/>
+          <a:chExt cx="0" cy="0"/>
+        </a:xfrm>
+      </p:grpSpPr>
+      <p:sp>
+        <p:nvSpPr>
+          <p:cNvPr id="8" name="Title 1">
+            <a:extLst>
+              <a:ext uri="{FF2B5EF4-FFF2-40B4-BE49-F238E27FC236}">
+                <a16:creationId xmlns:a16="http://schemas.microsoft.com/office/drawing/2014/main" id="{E5B491FC-34F1-46B2-BCC1-8F4A9F221E2D}"/>
+              </a:ext>
+            </a:extLst>
+          </p:cNvPr>
+          <p:cNvSpPr>
+            <a:spLocks noGrp="1"/>
+          </p:cNvSpPr>
+          <p:nvPr>
+            <p:ph type="title"/>
+          </p:nvPr>
+        </p:nvSpPr>
+        <p:spPr>
+          <a:xfrm>
+            <a:off x="1002852" y="335577"/>
+            <a:ext cx="10058400" cy="1450757"/>
+          </a:xfrm>
+        </p:spPr>
+        <p:txBody>
+          <a:bodyPr>
+            <a:noAutofit/>
+          </a:bodyPr>
+          <a:lstStyle/>
+          <a:p>
+            <a:r>
+              <a:rPr lang="en-US" sz="3200" dirty="0"/>
+              <a:t>Budweiser would also like to investigate the difference with respect to IBU and ABV between IPAs (India Pale Ales) and other types of Ale (any beer with “Ale” in its name other than IPA).</a:t>
+            </a:r>
+          </a:p>
+        </p:txBody>
+      </p:sp>
+      <p:pic>
+        <p:nvPicPr>
+          <p:cNvPr id="2" name="Picture 1">
+            <a:extLst>
+              <a:ext uri="{FF2B5EF4-FFF2-40B4-BE49-F238E27FC236}">
+                <a16:creationId xmlns:a16="http://schemas.microsoft.com/office/drawing/2014/main" id="{356CB5E0-5AE4-4198-9BD1-D288C9DD896C}"/>
+              </a:ext>
+            </a:extLst>
+          </p:cNvPr>
+          <p:cNvPicPr>
+            <a:picLocks noChangeAspect="1"/>
+          </p:cNvPicPr>
+          <p:nvPr/>
+        </p:nvPicPr>
+        <p:blipFill>
+          <a:blip r:embed="rId2"/>
+          <a:stretch>
+            <a:fillRect/>
+          </a:stretch>
+        </p:blipFill>
+        <p:spPr>
+          <a:xfrm>
+            <a:off x="1081567" y="1658036"/>
+            <a:ext cx="4935718" cy="2812873"/>
+          </a:xfrm>
+          <a:prstGeom prst="rect">
+            <a:avLst/>
+          </a:prstGeom>
+        </p:spPr>
+      </p:pic>
+      <p:pic>
+        <p:nvPicPr>
+          <p:cNvPr id="3" name="Picture 2">
+            <a:extLst>
+              <a:ext uri="{FF2B5EF4-FFF2-40B4-BE49-F238E27FC236}">
+                <a16:creationId xmlns:a16="http://schemas.microsoft.com/office/drawing/2014/main" id="{F6DF2A02-AFF9-4E0A-880E-FAC9015A6207}"/>
+              </a:ext>
+            </a:extLst>
+          </p:cNvPr>
+          <p:cNvPicPr>
+            <a:picLocks noChangeAspect="1"/>
+          </p:cNvPicPr>
+          <p:nvPr/>
+        </p:nvPicPr>
+        <p:blipFill>
+          <a:blip r:embed="rId3"/>
+          <a:stretch>
+            <a:fillRect/>
+          </a:stretch>
+        </p:blipFill>
+        <p:spPr>
+          <a:xfrm>
+            <a:off x="6096000" y="1658036"/>
+            <a:ext cx="5590903" cy="4191000"/>
+          </a:xfrm>
+          <a:prstGeom prst="rect">
+            <a:avLst/>
+          </a:prstGeom>
+        </p:spPr>
+      </p:pic>
+    </p:spTree>
+    <p:extLst>
+      <p:ext uri="{BB962C8B-B14F-4D97-AF65-F5344CB8AC3E}">
+        <p14:creationId xmlns:p14="http://schemas.microsoft.com/office/powerpoint/2010/main" val="4254347546"/>
+      </p:ext>
+    </p:extLst>
+  </p:cSld>
+  <p:clrMapOvr>
+    <a:masterClrMapping/>
+  </p:clrMapOvr>
+</p:sld>
+</file>
+
+<file path=ppt/slides/slide13.xml><?xml version="1.0" encoding="utf-8"?>
+<p:sld xmlns:a="http://schemas.openxmlformats.org/drawingml/2006/main" xmlns:r="http://schemas.openxmlformats.org/officeDocument/2006/relationships" xmlns:p="http://schemas.openxmlformats.org/presentationml/2006/main">
+  <p:cSld>
+    <p:spTree>
+      <p:nvGrpSpPr>
+        <p:cNvPr id="1" name=""/>
+        <p:cNvGrpSpPr/>
+        <p:nvPr/>
+      </p:nvGrpSpPr>
+      <p:grpSpPr>
+        <a:xfrm>
+          <a:off x="0" y="0"/>
+          <a:ext cx="0" cy="0"/>
+          <a:chOff x="0" y="0"/>
+          <a:chExt cx="0" cy="0"/>
+        </a:xfrm>
+      </p:grpSpPr>
+      <p:sp>
+        <p:nvSpPr>
+          <p:cNvPr id="2" name="Title 1">
+            <a:extLst>
+              <a:ext uri="{FF2B5EF4-FFF2-40B4-BE49-F238E27FC236}">
                 <a16:creationId xmlns:a16="http://schemas.microsoft.com/office/drawing/2014/main" id="{F577863B-9BF0-4332-924C-54F33CA2D8A0}"/>
               </a:ext>
             </a:extLst>
@@ -4470,7 +4752,7 @@
 </p:sld>
 </file>
 
-<file path=ppt/slides/slide12.xml><?xml version="1.0" encoding="utf-8"?>
+<file path=ppt/slides/slide14.xml><?xml version="1.0" encoding="utf-8"?>
 <p:sld xmlns:a="http://schemas.openxmlformats.org/drawingml/2006/main" xmlns:r="http://schemas.openxmlformats.org/officeDocument/2006/relationships" xmlns:p="http://schemas.openxmlformats.org/presentationml/2006/main">
   <p:cSld>
     <p:spTree>
@@ -4623,90 +4905,169 @@
         </p:nvSpPr>
         <p:spPr>
           <a:xfrm>
-            <a:off x="860744" y="206702"/>
+            <a:off x="860744" y="421854"/>
             <a:ext cx="10909073" cy="1057655"/>
           </a:xfrm>
         </p:spPr>
         <p:txBody>
           <a:bodyPr vert="horz" lIns="91440" tIns="45720" rIns="91440" bIns="45720" rtlCol="0" anchor="b">
-            <a:normAutofit/>
+            <a:normAutofit fontScale="90000"/>
           </a:bodyPr>
           <a:lstStyle/>
           <a:p>
             <a:r>
-              <a:rPr lang="en-US" sz="4200" dirty="0">
-                <a:solidFill>
-                  <a:schemeClr val="tx1">
-                    <a:lumMod val="85000"/>
-                    <a:lumOff val="15000"/>
-                  </a:schemeClr>
-                </a:solidFill>
-              </a:rPr>
-              <a:t>How many breweries are present in each state?</a:t>
-            </a:r>
-          </a:p>
-        </p:txBody>
-      </p:sp>
-      <p:pic>
-        <p:nvPicPr>
-          <p:cNvPr id="5" name="Picture 4" descr="A screenshot of a social media post&#10;&#10;Description automatically generated">
+              <a:rPr lang="en-US" sz="4400" dirty="0"/>
+              <a:t>MSDS 6306: Doing Data Science - Case Study 01</a:t>
+            </a:r>
+            <a:br>
+              <a:rPr lang="en-US" sz="4400" dirty="0"/>
+            </a:br>
+            <a:r>
+              <a:rPr lang="en-US" sz="4400" dirty="0"/>
+              <a:t>Description</a:t>
+            </a:r>
+            <a:endParaRPr lang="en-US" sz="4200" dirty="0">
+              <a:solidFill>
+                <a:schemeClr val="tx1">
+                  <a:lumMod val="85000"/>
+                  <a:lumOff val="15000"/>
+                </a:schemeClr>
+              </a:solidFill>
+            </a:endParaRPr>
+          </a:p>
+        </p:txBody>
+      </p:sp>
+      <p:sp>
+        <p:nvSpPr>
+          <p:cNvPr id="8" name="Rectangle 7">
             <a:extLst>
               <a:ext uri="{FF2B5EF4-FFF2-40B4-BE49-F238E27FC236}">
-                <a16:creationId xmlns:a16="http://schemas.microsoft.com/office/drawing/2014/main" id="{0332582B-3B35-4AC2-BF1B-A9F76172566E}"/>
+                <a16:creationId xmlns:a16="http://schemas.microsoft.com/office/drawing/2014/main" id="{F68CFB84-E0D7-4B3C-A998-C58CC631676C}"/>
               </a:ext>
             </a:extLst>
           </p:cNvPr>
-          <p:cNvPicPr>
-            <a:picLocks noChangeAspect="1"/>
-          </p:cNvPicPr>
+          <p:cNvSpPr/>
           <p:nvPr/>
-        </p:nvPicPr>
-        <p:blipFill>
-          <a:blip r:embed="rId2"/>
-          <a:stretch>
-            <a:fillRect/>
-          </a:stretch>
-        </p:blipFill>
-        <p:spPr>
-          <a:xfrm>
-            <a:off x="230430" y="2106201"/>
-            <a:ext cx="5814050" cy="1671539"/>
+        </p:nvSpPr>
+        <p:spPr>
+          <a:xfrm>
+            <a:off x="935588" y="1732619"/>
+            <a:ext cx="10658221" cy="4247317"/>
           </a:xfrm>
           <a:prstGeom prst="rect">
             <a:avLst/>
           </a:prstGeom>
         </p:spPr>
-      </p:pic>
-      <p:pic>
-        <p:nvPicPr>
-          <p:cNvPr id="6" name="Picture 5" descr="A screenshot of a cell phone&#10;&#10;Description automatically generated">
-            <a:extLst>
-              <a:ext uri="{FF2B5EF4-FFF2-40B4-BE49-F238E27FC236}">
-                <a16:creationId xmlns:a16="http://schemas.microsoft.com/office/drawing/2014/main" id="{C62482F9-5357-4B81-B351-8105516D264D}"/>
-              </a:ext>
-            </a:extLst>
-          </p:cNvPr>
-          <p:cNvPicPr>
-            <a:picLocks noChangeAspect="1"/>
-          </p:cNvPicPr>
-          <p:nvPr/>
-        </p:nvPicPr>
-        <p:blipFill>
-          <a:blip r:embed="rId3"/>
-          <a:stretch>
-            <a:fillRect/>
-          </a:stretch>
-        </p:blipFill>
-        <p:spPr>
-          <a:xfrm>
-            <a:off x="6207557" y="2069503"/>
-            <a:ext cx="5754013" cy="3668182"/>
-          </a:xfrm>
-          <a:prstGeom prst="rect">
-            <a:avLst/>
-          </a:prstGeom>
-        </p:spPr>
-      </p:pic>
+        <p:txBody>
+          <a:bodyPr wrap="square">
+            <a:spAutoFit/>
+          </a:bodyPr>
+          <a:lstStyle/>
+          <a:p>
+            <a:r>
+              <a:rPr lang="en-US" dirty="0"/>
+              <a:t>The Beers dataset contains a list of 2410 US craft beers and Breweries dataset contains 558 US breweries. The datasets descriptions are as follows.</a:t>
+            </a:r>
+          </a:p>
+          <a:p>
+            <a:r>
+              <a:rPr lang="en-US" dirty="0"/>
+              <a:t>Beers.csv:</a:t>
+            </a:r>
+          </a:p>
+          <a:p>
+            <a:pPr lvl="1"/>
+            <a:r>
+              <a:rPr lang="en-US" dirty="0"/>
+              <a:t>Name: Name of the beer.</a:t>
+            </a:r>
+          </a:p>
+          <a:p>
+            <a:pPr lvl="1"/>
+            <a:r>
+              <a:rPr lang="en-US" dirty="0" err="1"/>
+              <a:t>Beer_ID</a:t>
+            </a:r>
+            <a:r>
+              <a:rPr lang="en-US" dirty="0"/>
+              <a:t>: Unique identifier of the beer.</a:t>
+            </a:r>
+          </a:p>
+          <a:p>
+            <a:pPr lvl="1"/>
+            <a:r>
+              <a:rPr lang="en-US" dirty="0"/>
+              <a:t>ABV: Alcohol by volume of the beer.</a:t>
+            </a:r>
+          </a:p>
+          <a:p>
+            <a:pPr lvl="1"/>
+            <a:r>
+              <a:rPr lang="en-US" dirty="0"/>
+              <a:t>IBU: International Bitterness Units of the beer.</a:t>
+            </a:r>
+          </a:p>
+          <a:p>
+            <a:pPr lvl="1"/>
+            <a:r>
+              <a:rPr lang="en-US" dirty="0" err="1"/>
+              <a:t>Brewery_ID</a:t>
+            </a:r>
+            <a:r>
+              <a:rPr lang="en-US" dirty="0"/>
+              <a:t>: Brewery id associated with the beer.</a:t>
+            </a:r>
+          </a:p>
+          <a:p>
+            <a:pPr lvl="1"/>
+            <a:r>
+              <a:rPr lang="en-US" dirty="0"/>
+              <a:t>Style: Style of the beer.</a:t>
+            </a:r>
+          </a:p>
+          <a:p>
+            <a:pPr lvl="1"/>
+            <a:r>
+              <a:rPr lang="en-US" dirty="0"/>
+              <a:t>Ounces: Ounces of beer.</a:t>
+            </a:r>
+          </a:p>
+          <a:p>
+            <a:r>
+              <a:rPr lang="en-US" dirty="0"/>
+              <a:t>Breweries.csv:</a:t>
+            </a:r>
+          </a:p>
+          <a:p>
+            <a:r>
+              <a:rPr lang="en-US" dirty="0" err="1"/>
+              <a:t>Brew_ID</a:t>
+            </a:r>
+            <a:r>
+              <a:rPr lang="en-US" dirty="0"/>
+              <a:t>: Unique identifier of the brewery.</a:t>
+            </a:r>
+          </a:p>
+          <a:p>
+            <a:r>
+              <a:rPr lang="en-US" dirty="0"/>
+              <a:t>Name: Name of the brewery.</a:t>
+            </a:r>
+          </a:p>
+          <a:p>
+            <a:r>
+              <a:rPr lang="en-US" dirty="0"/>
+              <a:t>City: City where the brewery is located.</a:t>
+            </a:r>
+          </a:p>
+          <a:p>
+            <a:r>
+              <a:rPr lang="en-US" dirty="0"/>
+              <a:t>State: U.S. State where the brewery is located.</a:t>
+            </a:r>
+          </a:p>
+        </p:txBody>
+      </p:sp>
     </p:spTree>
     <p:extLst>
       <p:ext uri="{BB962C8B-B14F-4D97-AF65-F5344CB8AC3E}">
@@ -4742,7 +5103,7 @@
           <p:cNvPr id="4" name="Title 1">
             <a:extLst>
               <a:ext uri="{FF2B5EF4-FFF2-40B4-BE49-F238E27FC236}">
-                <a16:creationId xmlns:a16="http://schemas.microsoft.com/office/drawing/2014/main" id="{7C6BC25A-F9C4-4E8A-B734-CE1686E8E138}"/>
+                <a16:creationId xmlns:a16="http://schemas.microsoft.com/office/drawing/2014/main" id="{F5B07FD2-3E60-473B-BAB3-A7833E6BD321}"/>
               </a:ext>
             </a:extLst>
           </p:cNvPr>
@@ -4755,38 +5116,28 @@
         </p:nvSpPr>
         <p:spPr>
           <a:xfrm>
-            <a:off x="920358" y="496881"/>
+            <a:off x="860744" y="421854"/>
             <a:ext cx="10909073" cy="1057655"/>
           </a:xfrm>
         </p:spPr>
         <p:txBody>
           <a:bodyPr vert="horz" lIns="91440" tIns="45720" rIns="91440" bIns="45720" rtlCol="0" anchor="b">
-            <a:normAutofit/>
+            <a:normAutofit fontScale="90000"/>
           </a:bodyPr>
           <a:lstStyle/>
           <a:p>
             <a:r>
-              <a:rPr lang="en-US" sz="3300" dirty="0">
-                <a:solidFill>
-                  <a:schemeClr val="tx1">
-                    <a:lumMod val="85000"/>
-                    <a:lumOff val="15000"/>
-                  </a:schemeClr>
-                </a:solidFill>
-              </a:rPr>
-              <a:t>Address the missing values in each column</a:t>
+              <a:rPr lang="en-US" sz="4400" dirty="0"/>
+              <a:t>MSDS 6306: Doing Data Science - Case Study 01</a:t>
             </a:r>
             <a:br>
-              <a:rPr lang="en-US" sz="3300" dirty="0">
-                <a:solidFill>
-                  <a:schemeClr val="tx1">
-                    <a:lumMod val="85000"/>
-                    <a:lumOff val="15000"/>
-                  </a:schemeClr>
-                </a:solidFill>
-              </a:rPr>
+              <a:rPr lang="en-US" sz="4400" dirty="0"/>
             </a:br>
-            <a:endParaRPr lang="en-US" sz="3300" dirty="0">
+            <a:r>
+              <a:rPr lang="en-US" sz="4400" dirty="0"/>
+              <a:t>Analysis</a:t>
+            </a:r>
+            <a:endParaRPr lang="en-US" sz="4200" dirty="0">
               <a:solidFill>
                 <a:schemeClr val="tx1">
                   <a:lumMod val="85000"/>
@@ -4797,72 +5148,12 @@
           </a:p>
         </p:txBody>
       </p:sp>
-      <p:pic>
-        <p:nvPicPr>
-          <p:cNvPr id="5" name="Picture 4" descr="A screenshot of a cell phone&#10;&#10;Description automatically generated">
+      <p:sp>
+        <p:nvSpPr>
+          <p:cNvPr id="8" name="Rectangle 7">
             <a:extLst>
               <a:ext uri="{FF2B5EF4-FFF2-40B4-BE49-F238E27FC236}">
-                <a16:creationId xmlns:a16="http://schemas.microsoft.com/office/drawing/2014/main" id="{160B660B-1223-4733-B3C8-AF8F04D318A2}"/>
-              </a:ext>
-            </a:extLst>
-          </p:cNvPr>
-          <p:cNvPicPr>
-            <a:picLocks noChangeAspect="1"/>
-          </p:cNvPicPr>
-          <p:nvPr/>
-        </p:nvPicPr>
-        <p:blipFill>
-          <a:blip r:embed="rId2"/>
-          <a:stretch>
-            <a:fillRect/>
-          </a:stretch>
-        </p:blipFill>
-        <p:spPr>
-          <a:xfrm>
-            <a:off x="377191" y="2159387"/>
-            <a:ext cx="5131653" cy="885210"/>
-          </a:xfrm>
-          <a:prstGeom prst="rect">
-            <a:avLst/>
-          </a:prstGeom>
-        </p:spPr>
-      </p:pic>
-      <p:pic>
-        <p:nvPicPr>
-          <p:cNvPr id="6" name="Picture 5" descr="A screenshot of a cell phone&#10;&#10;Description automatically generated">
-            <a:extLst>
-              <a:ext uri="{FF2B5EF4-FFF2-40B4-BE49-F238E27FC236}">
-                <a16:creationId xmlns:a16="http://schemas.microsoft.com/office/drawing/2014/main" id="{63CDCCCE-4385-4372-A2B1-1209EE3C18A6}"/>
-              </a:ext>
-            </a:extLst>
-          </p:cNvPr>
-          <p:cNvPicPr>
-            <a:picLocks noChangeAspect="1"/>
-          </p:cNvPicPr>
-          <p:nvPr/>
-        </p:nvPicPr>
-        <p:blipFill>
-          <a:blip r:embed="rId3"/>
-          <a:stretch>
-            <a:fillRect/>
-          </a:stretch>
-        </p:blipFill>
-        <p:spPr>
-          <a:xfrm>
-            <a:off x="6187565" y="1806899"/>
-            <a:ext cx="5118182" cy="1087613"/>
-          </a:xfrm>
-          <a:prstGeom prst="rect">
-            <a:avLst/>
-          </a:prstGeom>
-        </p:spPr>
-      </p:pic>
-      <p:sp>
-        <p:nvSpPr>
-          <p:cNvPr id="7" name="Rectangle: Rounded Corners 6">
-            <a:extLst>
-              <a:ext uri="{FF2B5EF4-FFF2-40B4-BE49-F238E27FC236}">
-                <a16:creationId xmlns:a16="http://schemas.microsoft.com/office/drawing/2014/main" id="{0127CB64-259C-4F75-A230-045A31D43786}"/>
+                <a16:creationId xmlns:a16="http://schemas.microsoft.com/office/drawing/2014/main" id="{F68CFB84-E0D7-4B3C-A998-C58CC631676C}"/>
               </a:ext>
             </a:extLst>
           </p:cNvPr>
@@ -4871,45 +5162,87 @@
         </p:nvSpPr>
         <p:spPr>
           <a:xfrm>
-            <a:off x="1012122" y="3748342"/>
-            <a:ext cx="10128202" cy="1437911"/>
-          </a:xfrm>
-          <a:prstGeom prst="roundRect">
+            <a:off x="935588" y="1732619"/>
+            <a:ext cx="10658221" cy="3816429"/>
+          </a:xfrm>
+          <a:prstGeom prst="rect">
             <a:avLst/>
           </a:prstGeom>
         </p:spPr>
-        <p:style>
-          <a:lnRef idx="2">
-            <a:schemeClr val="accent2">
-              <a:shade val="50000"/>
-            </a:schemeClr>
-          </a:lnRef>
-          <a:fillRef idx="1">
-            <a:schemeClr val="accent2"/>
-          </a:fillRef>
-          <a:effectRef idx="0">
-            <a:schemeClr val="accent2"/>
-          </a:effectRef>
-          <a:fontRef idx="minor">
-            <a:schemeClr val="lt1"/>
-          </a:fontRef>
-        </p:style>
-        <p:txBody>
-          <a:bodyPr rtlCol="0" anchor="ctr"/>
+        <p:txBody>
+          <a:bodyPr wrap="square">
+            <a:spAutoFit/>
+          </a:bodyPr>
           <a:lstStyle/>
           <a:p>
-            <a:pPr algn="ctr"/>
-            <a:r>
-              <a:rPr lang="en-US" dirty="0"/>
-              <a:t>ABV and IBU are the only columns with missing values.  However, since we have a high number of observations, we should be able to omit the missing values and still be able to determine any significant insights.  </a:t>
-            </a:r>
+            <a:pPr marL="285750" indent="-285750">
+              <a:buFont typeface="Arial" panose="020B0604020202020204" pitchFamily="34" charset="0"/>
+              <a:buChar char="•"/>
+            </a:pPr>
+            <a:r>
+              <a:rPr lang="en-US" sz="2800" dirty="0"/>
+              <a:t>Breweries per state</a:t>
+            </a:r>
+          </a:p>
+          <a:p>
+            <a:pPr marL="285750" indent="-285750">
+              <a:buFont typeface="Arial" panose="020B0604020202020204" pitchFamily="34" charset="0"/>
+              <a:buChar char="•"/>
+            </a:pPr>
+            <a:r>
+              <a:rPr lang="en-US" sz="2800" dirty="0"/>
+              <a:t>Median alcohol content per state</a:t>
+            </a:r>
+          </a:p>
+          <a:p>
+            <a:pPr marL="285750" indent="-285750">
+              <a:buFont typeface="Arial" panose="020B0604020202020204" pitchFamily="34" charset="0"/>
+              <a:buChar char="•"/>
+            </a:pPr>
+            <a:r>
+              <a:rPr lang="en-US" sz="2800" dirty="0"/>
+              <a:t>Median international bitterness per state</a:t>
+            </a:r>
+          </a:p>
+          <a:p>
+            <a:pPr marL="285750" indent="-285750">
+              <a:buFont typeface="Arial" panose="020B0604020202020204" pitchFamily="34" charset="0"/>
+              <a:buChar char="•"/>
+            </a:pPr>
+            <a:r>
+              <a:rPr lang="en-US" sz="2800" dirty="0"/>
+              <a:t>Beers with highest Alcohol by Volume (ABV) and International Bitterness Unit (IBU)</a:t>
+            </a:r>
+          </a:p>
+          <a:p>
+            <a:pPr marL="285750" indent="-285750">
+              <a:buFont typeface="Arial" panose="020B0604020202020204" pitchFamily="34" charset="0"/>
+              <a:buChar char="•"/>
+            </a:pPr>
+            <a:r>
+              <a:rPr lang="en-US" sz="2800" dirty="0"/>
+              <a:t>Summary stats of Alcohol by Volume(ABV)</a:t>
+            </a:r>
+          </a:p>
+          <a:p>
+            <a:pPr marL="285750" indent="-285750">
+              <a:buFont typeface="Arial" panose="020B0604020202020204" pitchFamily="34" charset="0"/>
+              <a:buChar char="•"/>
+            </a:pPr>
+            <a:r>
+              <a:rPr lang="en-US" sz="2800" dirty="0"/>
+              <a:t>Analysis of relationship between Alcohol by Volume (ABV) and International Bitterness Unit (IBU)</a:t>
+            </a:r>
+          </a:p>
+          <a:p>
+            <a:endParaRPr lang="en-US" dirty="0"/>
           </a:p>
         </p:txBody>
       </p:sp>
     </p:spTree>
     <p:extLst>
       <p:ext uri="{BB962C8B-B14F-4D97-AF65-F5344CB8AC3E}">
-        <p14:creationId xmlns:p14="http://schemas.microsoft.com/office/powerpoint/2010/main" val="167552328"/>
+        <p14:creationId xmlns:p14="http://schemas.microsoft.com/office/powerpoint/2010/main" val="359842229"/>
       </p:ext>
     </p:extLst>
   </p:cSld>
@@ -4941,53 +5274,31 @@
           <p:cNvPr id="4" name="Title 1">
             <a:extLst>
               <a:ext uri="{FF2B5EF4-FFF2-40B4-BE49-F238E27FC236}">
-                <a16:creationId xmlns:a16="http://schemas.microsoft.com/office/drawing/2014/main" id="{E16BA02C-DC37-41B4-95F8-196B6518DE09}"/>
+                <a16:creationId xmlns:a16="http://schemas.microsoft.com/office/drawing/2014/main" id="{F5B07FD2-3E60-473B-BAB3-A7833E6BD321}"/>
               </a:ext>
             </a:extLst>
           </p:cNvPr>
-          <p:cNvSpPr txBox="1">
-            <a:spLocks/>
-          </p:cNvSpPr>
-          <p:nvPr/>
-        </p:nvSpPr>
-        <p:spPr>
-          <a:xfrm>
-            <a:off x="996967" y="431939"/>
+          <p:cNvSpPr>
+            <a:spLocks noGrp="1"/>
+          </p:cNvSpPr>
+          <p:nvPr>
+            <p:ph type="title"/>
+          </p:nvPr>
+        </p:nvSpPr>
+        <p:spPr>
+          <a:xfrm>
+            <a:off x="860744" y="206702"/>
             <a:ext cx="10909073" cy="1057655"/>
           </a:xfrm>
-          <a:prstGeom prst="rect">
-            <a:avLst/>
-          </a:prstGeom>
         </p:spPr>
         <p:txBody>
           <a:bodyPr vert="horz" lIns="91440" tIns="45720" rIns="91440" bIns="45720" rtlCol="0" anchor="b">
             <a:normAutofit/>
           </a:bodyPr>
-          <a:lstStyle>
-            <a:lvl1pPr marL="0" algn="l" defTabSz="914400" rtl="0" eaLnBrk="1" latinLnBrk="0" hangingPunct="1">
-              <a:lnSpc>
-                <a:spcPct val="85000"/>
-              </a:lnSpc>
-              <a:spcBef>
-                <a:spcPct val="0"/>
-              </a:spcBef>
-              <a:buNone/>
-              <a:defRPr sz="4800" kern="1200" spc="-50" baseline="0">
-                <a:solidFill>
-                  <a:schemeClr val="tx1">
-                    <a:lumMod val="75000"/>
-                    <a:lumOff val="25000"/>
-                  </a:schemeClr>
-                </a:solidFill>
-                <a:latin typeface="+mj-lt"/>
-                <a:ea typeface="+mj-ea"/>
-                <a:cs typeface="+mj-cs"/>
-              </a:defRPr>
-            </a:lvl1pPr>
-          </a:lstStyle>
-          <a:p>
-            <a:r>
-              <a:rPr lang="en-US" sz="3300" dirty="0">
+          <a:lstStyle/>
+          <a:p>
+            <a:r>
+              <a:rPr lang="en-US" sz="4200" dirty="0">
                 <a:solidFill>
                   <a:schemeClr val="tx1">
                     <a:lumMod val="85000"/>
@@ -4995,17 +5306,17 @@
                   </a:schemeClr>
                 </a:solidFill>
               </a:rPr>
-              <a:t>Compute the median alcohol content and international bitterness unit for each state. Plot a bar chart to compare</a:t>
+              <a:t>How many breweries are present in each state?</a:t>
             </a:r>
           </a:p>
         </p:txBody>
       </p:sp>
       <p:pic>
         <p:nvPicPr>
-          <p:cNvPr id="5" name="Picture 4" descr="A screenshot of a cell phone&#10;&#10;Description automatically generated">
+          <p:cNvPr id="5" name="Picture 4" descr="A screenshot of a social media post&#10;&#10;Description automatically generated">
             <a:extLst>
               <a:ext uri="{FF2B5EF4-FFF2-40B4-BE49-F238E27FC236}">
-                <a16:creationId xmlns:a16="http://schemas.microsoft.com/office/drawing/2014/main" id="{8132BBB1-3E63-4A04-8FD5-0B2E049AC8F0}"/>
+                <a16:creationId xmlns:a16="http://schemas.microsoft.com/office/drawing/2014/main" id="{0332582B-3B35-4AC2-BF1B-A9F76172566E}"/>
               </a:ext>
             </a:extLst>
           </p:cNvPr>
@@ -5022,8 +5333,8 @@
         </p:blipFill>
         <p:spPr>
           <a:xfrm>
-            <a:off x="495854" y="2557808"/>
-            <a:ext cx="5131653" cy="1372716"/>
+            <a:off x="230430" y="2106201"/>
+            <a:ext cx="5814050" cy="1671539"/>
           </a:xfrm>
           <a:prstGeom prst="rect">
             <a:avLst/>
@@ -5035,7 +5346,7 @@
           <p:cNvPr id="6" name="Picture 5" descr="A screenshot of a cell phone&#10;&#10;Description automatically generated">
             <a:extLst>
               <a:ext uri="{FF2B5EF4-FFF2-40B4-BE49-F238E27FC236}">
-                <a16:creationId xmlns:a16="http://schemas.microsoft.com/office/drawing/2014/main" id="{2D765E23-25CA-427F-81B5-A147C42D581C}"/>
+                <a16:creationId xmlns:a16="http://schemas.microsoft.com/office/drawing/2014/main" id="{C62482F9-5357-4B81-B351-8105516D264D}"/>
               </a:ext>
             </a:extLst>
           </p:cNvPr>
@@ -5052,8 +5363,8 @@
         </p:blipFill>
         <p:spPr>
           <a:xfrm>
-            <a:off x="6585883" y="2196654"/>
-            <a:ext cx="5110263" cy="3602736"/>
+            <a:off x="6207557" y="2069503"/>
+            <a:ext cx="5754013" cy="3668182"/>
           </a:xfrm>
           <a:prstGeom prst="rect">
             <a:avLst/>
@@ -5063,7 +5374,7 @@
     </p:spTree>
     <p:extLst>
       <p:ext uri="{BB962C8B-B14F-4D97-AF65-F5344CB8AC3E}">
-        <p14:creationId xmlns:p14="http://schemas.microsoft.com/office/powerpoint/2010/main" val="3129195062"/>
+        <p14:creationId xmlns:p14="http://schemas.microsoft.com/office/powerpoint/2010/main" val="247350651"/>
       </p:ext>
     </p:extLst>
   </p:cSld>
@@ -5092,10 +5403,10 @@
       </p:grpSpPr>
       <p:sp>
         <p:nvSpPr>
-          <p:cNvPr id="2" name="Title 1">
+          <p:cNvPr id="4" name="Title 1">
             <a:extLst>
               <a:ext uri="{FF2B5EF4-FFF2-40B4-BE49-F238E27FC236}">
-                <a16:creationId xmlns:a16="http://schemas.microsoft.com/office/drawing/2014/main" id="{FDE3854E-EA34-414E-AD71-14D07E148024}"/>
+                <a16:creationId xmlns:a16="http://schemas.microsoft.com/office/drawing/2014/main" id="{7C6BC25A-F9C4-4E8A-B734-CE1686E8E138}"/>
               </a:ext>
             </a:extLst>
           </p:cNvPr>
@@ -5106,24 +5417,56 @@
             <p:ph type="title"/>
           </p:nvPr>
         </p:nvSpPr>
-        <p:spPr/>
-        <p:txBody>
-          <a:bodyPr/>
+        <p:spPr>
+          <a:xfrm>
+            <a:off x="920358" y="496881"/>
+            <a:ext cx="10909073" cy="1057655"/>
+          </a:xfrm>
+        </p:spPr>
+        <p:txBody>
+          <a:bodyPr vert="horz" lIns="91440" tIns="45720" rIns="91440" bIns="45720" rtlCol="0" anchor="b">
+            <a:normAutofit/>
+          </a:bodyPr>
           <a:lstStyle/>
           <a:p>
             <a:r>
-              <a:rPr lang="en-US" dirty="0"/>
-              <a:t>Median IBU by State</a:t>
-            </a:r>
+              <a:rPr lang="en-US" sz="3300" dirty="0">
+                <a:solidFill>
+                  <a:schemeClr val="tx1">
+                    <a:lumMod val="85000"/>
+                    <a:lumOff val="15000"/>
+                  </a:schemeClr>
+                </a:solidFill>
+              </a:rPr>
+              <a:t>Address the missing values in each column</a:t>
+            </a:r>
+            <a:br>
+              <a:rPr lang="en-US" sz="3300" dirty="0">
+                <a:solidFill>
+                  <a:schemeClr val="tx1">
+                    <a:lumMod val="85000"/>
+                    <a:lumOff val="15000"/>
+                  </a:schemeClr>
+                </a:solidFill>
+              </a:rPr>
+            </a:br>
+            <a:endParaRPr lang="en-US" sz="3300" dirty="0">
+              <a:solidFill>
+                <a:schemeClr val="tx1">
+                  <a:lumMod val="85000"/>
+                  <a:lumOff val="15000"/>
+                </a:schemeClr>
+              </a:solidFill>
+            </a:endParaRPr>
           </a:p>
         </p:txBody>
       </p:sp>
       <p:pic>
         <p:nvPicPr>
-          <p:cNvPr id="6" name="Picture 5">
+          <p:cNvPr id="5" name="Picture 4" descr="A screenshot of a cell phone&#10;&#10;Description automatically generated">
             <a:extLst>
               <a:ext uri="{FF2B5EF4-FFF2-40B4-BE49-F238E27FC236}">
-                <a16:creationId xmlns:a16="http://schemas.microsoft.com/office/drawing/2014/main" id="{14A57747-C4B9-4E44-9B0A-E66216DF1B9D}"/>
+                <a16:creationId xmlns:a16="http://schemas.microsoft.com/office/drawing/2014/main" id="{160B660B-1223-4733-B3C8-AF8F04D318A2}"/>
               </a:ext>
             </a:extLst>
           </p:cNvPr>
@@ -5140,8 +5483,8 @@
         </p:blipFill>
         <p:spPr>
           <a:xfrm>
-            <a:off x="228910" y="1935678"/>
-            <a:ext cx="6172744" cy="4366532"/>
+            <a:off x="377191" y="2159387"/>
+            <a:ext cx="5131653" cy="885210"/>
           </a:xfrm>
           <a:prstGeom prst="rect">
             <a:avLst/>
@@ -5150,10 +5493,10 @@
       </p:pic>
       <p:pic>
         <p:nvPicPr>
-          <p:cNvPr id="7" name="Picture 6">
+          <p:cNvPr id="6" name="Picture 5" descr="A screenshot of a cell phone&#10;&#10;Description automatically generated">
             <a:extLst>
               <a:ext uri="{FF2B5EF4-FFF2-40B4-BE49-F238E27FC236}">
-                <a16:creationId xmlns:a16="http://schemas.microsoft.com/office/drawing/2014/main" id="{A5DF9528-3FE4-4E8A-82EB-BA4D883042F6}"/>
+                <a16:creationId xmlns:a16="http://schemas.microsoft.com/office/drawing/2014/main" id="{63CDCCCE-4385-4372-A2B1-1209EE3C18A6}"/>
               </a:ext>
             </a:extLst>
           </p:cNvPr>
@@ -5170,18 +5513,67 @@
         </p:blipFill>
         <p:spPr>
           <a:xfrm>
-            <a:off x="6401654" y="2297380"/>
-            <a:ext cx="5705475" cy="1333500"/>
+            <a:off x="6187565" y="1806899"/>
+            <a:ext cx="5118182" cy="1087613"/>
           </a:xfrm>
           <a:prstGeom prst="rect">
             <a:avLst/>
           </a:prstGeom>
         </p:spPr>
       </p:pic>
+      <p:sp>
+        <p:nvSpPr>
+          <p:cNvPr id="7" name="Rectangle: Rounded Corners 6">
+            <a:extLst>
+              <a:ext uri="{FF2B5EF4-FFF2-40B4-BE49-F238E27FC236}">
+                <a16:creationId xmlns:a16="http://schemas.microsoft.com/office/drawing/2014/main" id="{0127CB64-259C-4F75-A230-045A31D43786}"/>
+              </a:ext>
+            </a:extLst>
+          </p:cNvPr>
+          <p:cNvSpPr/>
+          <p:nvPr/>
+        </p:nvSpPr>
+        <p:spPr>
+          <a:xfrm>
+            <a:off x="1012122" y="3748342"/>
+            <a:ext cx="10128202" cy="1437911"/>
+          </a:xfrm>
+          <a:prstGeom prst="roundRect">
+            <a:avLst/>
+          </a:prstGeom>
+        </p:spPr>
+        <p:style>
+          <a:lnRef idx="2">
+            <a:schemeClr val="accent2">
+              <a:shade val="50000"/>
+            </a:schemeClr>
+          </a:lnRef>
+          <a:fillRef idx="1">
+            <a:schemeClr val="accent2"/>
+          </a:fillRef>
+          <a:effectRef idx="0">
+            <a:schemeClr val="accent2"/>
+          </a:effectRef>
+          <a:fontRef idx="minor">
+            <a:schemeClr val="lt1"/>
+          </a:fontRef>
+        </p:style>
+        <p:txBody>
+          <a:bodyPr rtlCol="0" anchor="ctr"/>
+          <a:lstStyle/>
+          <a:p>
+            <a:pPr algn="ctr"/>
+            <a:r>
+              <a:rPr lang="en-US" dirty="0"/>
+              <a:t>ABV and IBU are the only columns with missing values.  However, since we have a high number of observations, we should be able to omit the missing values and still be able to determine any significant insights.  </a:t>
+            </a:r>
+          </a:p>
+        </p:txBody>
+      </p:sp>
     </p:spTree>
     <p:extLst>
       <p:ext uri="{BB962C8B-B14F-4D97-AF65-F5344CB8AC3E}">
-        <p14:creationId xmlns:p14="http://schemas.microsoft.com/office/powerpoint/2010/main" val="1840594324"/>
+        <p14:creationId xmlns:p14="http://schemas.microsoft.com/office/powerpoint/2010/main" val="167552328"/>
       </p:ext>
     </p:extLst>
   </p:cSld>
@@ -5210,40 +5602,74 @@
       </p:grpSpPr>
       <p:sp>
         <p:nvSpPr>
-          <p:cNvPr id="2" name="Title 1">
+          <p:cNvPr id="4" name="Title 1">
             <a:extLst>
               <a:ext uri="{FF2B5EF4-FFF2-40B4-BE49-F238E27FC236}">
-                <a16:creationId xmlns:a16="http://schemas.microsoft.com/office/drawing/2014/main" id="{262D73DE-5A14-4487-872D-CE32B425AFAA}"/>
+                <a16:creationId xmlns:a16="http://schemas.microsoft.com/office/drawing/2014/main" id="{E16BA02C-DC37-41B4-95F8-196B6518DE09}"/>
               </a:ext>
             </a:extLst>
           </p:cNvPr>
-          <p:cNvSpPr>
-            <a:spLocks noGrp="1"/>
-          </p:cNvSpPr>
-          <p:nvPr>
-            <p:ph type="title"/>
-          </p:nvPr>
-        </p:nvSpPr>
-        <p:spPr/>
-        <p:txBody>
-          <a:bodyPr>
-            <a:normAutofit fontScale="90000"/>
+          <p:cNvSpPr txBox="1">
+            <a:spLocks/>
+          </p:cNvSpPr>
+          <p:nvPr/>
+        </p:nvSpPr>
+        <p:spPr>
+          <a:xfrm>
+            <a:off x="996967" y="431939"/>
+            <a:ext cx="10909073" cy="1057655"/>
+          </a:xfrm>
+          <a:prstGeom prst="rect">
+            <a:avLst/>
+          </a:prstGeom>
+        </p:spPr>
+        <p:txBody>
+          <a:bodyPr vert="horz" lIns="91440" tIns="45720" rIns="91440" bIns="45720" rtlCol="0" anchor="b">
+            <a:normAutofit/>
           </a:bodyPr>
-          <a:lstStyle/>
-          <a:p>
-            <a:r>
-              <a:rPr lang="en-US" dirty="0"/>
-              <a:t>Which state has the maximum alcoholic (ABV) beer? Which state has the most bitter (IBU) beer?</a:t>
+          <a:lstStyle>
+            <a:lvl1pPr marL="0" algn="l" defTabSz="914400" rtl="0" eaLnBrk="1" latinLnBrk="0" hangingPunct="1">
+              <a:lnSpc>
+                <a:spcPct val="85000"/>
+              </a:lnSpc>
+              <a:spcBef>
+                <a:spcPct val="0"/>
+              </a:spcBef>
+              <a:buNone/>
+              <a:defRPr sz="4800" kern="1200" spc="-50" baseline="0">
+                <a:solidFill>
+                  <a:schemeClr val="tx1">
+                    <a:lumMod val="75000"/>
+                    <a:lumOff val="25000"/>
+                  </a:schemeClr>
+                </a:solidFill>
+                <a:latin typeface="+mj-lt"/>
+                <a:ea typeface="+mj-ea"/>
+                <a:cs typeface="+mj-cs"/>
+              </a:defRPr>
+            </a:lvl1pPr>
+          </a:lstStyle>
+          <a:p>
+            <a:r>
+              <a:rPr lang="en-US" sz="3300" dirty="0">
+                <a:solidFill>
+                  <a:schemeClr val="tx1">
+                    <a:lumMod val="85000"/>
+                    <a:lumOff val="15000"/>
+                  </a:schemeClr>
+                </a:solidFill>
+              </a:rPr>
+              <a:t>Compute the median alcohol content and international bitterness unit for each state. Plot a bar chart to compare</a:t>
             </a:r>
           </a:p>
         </p:txBody>
       </p:sp>
       <p:pic>
         <p:nvPicPr>
-          <p:cNvPr id="4" name="Picture 3">
+          <p:cNvPr id="5" name="Picture 4" descr="A screenshot of a cell phone&#10;&#10;Description automatically generated">
             <a:extLst>
               <a:ext uri="{FF2B5EF4-FFF2-40B4-BE49-F238E27FC236}">
-                <a16:creationId xmlns:a16="http://schemas.microsoft.com/office/drawing/2014/main" id="{6A5B7889-EBD8-47F1-8BBD-9FA754A85E1D}"/>
+                <a16:creationId xmlns:a16="http://schemas.microsoft.com/office/drawing/2014/main" id="{8132BBB1-3E63-4A04-8FD5-0B2E049AC8F0}"/>
               </a:ext>
             </a:extLst>
           </p:cNvPr>
@@ -5260,8 +5686,38 @@
         </p:blipFill>
         <p:spPr>
           <a:xfrm>
-            <a:off x="2017136" y="1983337"/>
-            <a:ext cx="8836912" cy="4031886"/>
+            <a:off x="495854" y="2557808"/>
+            <a:ext cx="5131653" cy="1372716"/>
+          </a:xfrm>
+          <a:prstGeom prst="rect">
+            <a:avLst/>
+          </a:prstGeom>
+        </p:spPr>
+      </p:pic>
+      <p:pic>
+        <p:nvPicPr>
+          <p:cNvPr id="6" name="Picture 5" descr="A screenshot of a cell phone&#10;&#10;Description automatically generated">
+            <a:extLst>
+              <a:ext uri="{FF2B5EF4-FFF2-40B4-BE49-F238E27FC236}">
+                <a16:creationId xmlns:a16="http://schemas.microsoft.com/office/drawing/2014/main" id="{2D765E23-25CA-427F-81B5-A147C42D581C}"/>
+              </a:ext>
+            </a:extLst>
+          </p:cNvPr>
+          <p:cNvPicPr>
+            <a:picLocks noChangeAspect="1"/>
+          </p:cNvPicPr>
+          <p:nvPr/>
+        </p:nvPicPr>
+        <p:blipFill>
+          <a:blip r:embed="rId3"/>
+          <a:stretch>
+            <a:fillRect/>
+          </a:stretch>
+        </p:blipFill>
+        <p:spPr>
+          <a:xfrm>
+            <a:off x="6585883" y="2196654"/>
+            <a:ext cx="5110263" cy="3602736"/>
           </a:xfrm>
           <a:prstGeom prst="rect">
             <a:avLst/>
@@ -5271,7 +5727,7 @@
     </p:spTree>
     <p:extLst>
       <p:ext uri="{BB962C8B-B14F-4D97-AF65-F5344CB8AC3E}">
-        <p14:creationId xmlns:p14="http://schemas.microsoft.com/office/powerpoint/2010/main" val="3873731843"/>
+        <p14:creationId xmlns:p14="http://schemas.microsoft.com/office/powerpoint/2010/main" val="3129195062"/>
       </p:ext>
     </p:extLst>
   </p:cSld>
@@ -5303,7 +5759,7 @@
           <p:cNvPr id="2" name="Title 1">
             <a:extLst>
               <a:ext uri="{FF2B5EF4-FFF2-40B4-BE49-F238E27FC236}">
-                <a16:creationId xmlns:a16="http://schemas.microsoft.com/office/drawing/2014/main" id="{8DC7CA65-BA16-468E-818D-AD78F2587075}"/>
+                <a16:creationId xmlns:a16="http://schemas.microsoft.com/office/drawing/2014/main" id="{FDE3854E-EA34-414E-AD71-14D07E148024}"/>
               </a:ext>
             </a:extLst>
           </p:cNvPr>
@@ -5316,24 +5772,22 @@
         </p:nvSpPr>
         <p:spPr/>
         <p:txBody>
-          <a:bodyPr>
-            <a:normAutofit/>
-          </a:bodyPr>
+          <a:bodyPr/>
           <a:lstStyle/>
           <a:p>
             <a:r>
               <a:rPr lang="en-US" dirty="0"/>
-              <a:t>Comment on the summary statistics and distribution of the ABV variable</a:t>
+              <a:t>Median IBU by State</a:t>
             </a:r>
           </a:p>
         </p:txBody>
       </p:sp>
       <p:pic>
         <p:nvPicPr>
-          <p:cNvPr id="4" name="Picture 3">
+          <p:cNvPr id="6" name="Picture 5">
             <a:extLst>
               <a:ext uri="{FF2B5EF4-FFF2-40B4-BE49-F238E27FC236}">
-                <a16:creationId xmlns:a16="http://schemas.microsoft.com/office/drawing/2014/main" id="{CC494DE3-9B1A-428B-96A9-A24770E55913}"/>
+                <a16:creationId xmlns:a16="http://schemas.microsoft.com/office/drawing/2014/main" id="{14A57747-C4B9-4E44-9B0A-E66216DF1B9D}"/>
               </a:ext>
             </a:extLst>
           </p:cNvPr>
@@ -5350,69 +5804,20 @@
         </p:blipFill>
         <p:spPr>
           <a:xfrm>
-            <a:off x="199444" y="1787847"/>
-            <a:ext cx="7967335" cy="1349622"/>
+            <a:off x="228910" y="1935678"/>
+            <a:ext cx="6172744" cy="4366532"/>
           </a:xfrm>
           <a:prstGeom prst="rect">
             <a:avLst/>
           </a:prstGeom>
         </p:spPr>
       </p:pic>
-      <p:sp>
-        <p:nvSpPr>
-          <p:cNvPr id="8" name="Rectangle: Rounded Corners 7">
+      <p:pic>
+        <p:nvPicPr>
+          <p:cNvPr id="7" name="Picture 6">
             <a:extLst>
               <a:ext uri="{FF2B5EF4-FFF2-40B4-BE49-F238E27FC236}">
-                <a16:creationId xmlns:a16="http://schemas.microsoft.com/office/drawing/2014/main" id="{A5D6BF2E-651E-496C-B41B-4CBC1BC6FC19}"/>
-              </a:ext>
-            </a:extLst>
-          </p:cNvPr>
-          <p:cNvSpPr/>
-          <p:nvPr/>
-        </p:nvSpPr>
-        <p:spPr>
-          <a:xfrm>
-            <a:off x="5528281" y="4090369"/>
-            <a:ext cx="6379859" cy="1891622"/>
-          </a:xfrm>
-          <a:prstGeom prst="roundRect">
-            <a:avLst/>
-          </a:prstGeom>
-        </p:spPr>
-        <p:style>
-          <a:lnRef idx="2">
-            <a:schemeClr val="accent2">
-              <a:shade val="50000"/>
-            </a:schemeClr>
-          </a:lnRef>
-          <a:fillRef idx="1">
-            <a:schemeClr val="accent2"/>
-          </a:fillRef>
-          <a:effectRef idx="0">
-            <a:schemeClr val="accent2"/>
-          </a:effectRef>
-          <a:fontRef idx="minor">
-            <a:schemeClr val="lt1"/>
-          </a:fontRef>
-        </p:style>
-        <p:txBody>
-          <a:bodyPr rtlCol="0" anchor="ctr"/>
-          <a:lstStyle/>
-          <a:p>
-            <a:pPr algn="ctr"/>
-            <a:r>
-              <a:rPr lang="en-US" dirty="0"/>
-              <a:t>Looking at a histogram of the data, it seems to be a bit right-skewed.  This makes sense because beer is not meant to be a very high ABV drink—the high ABV beers would be more rare.</a:t>
-            </a:r>
-          </a:p>
-        </p:txBody>
-      </p:sp>
-      <p:pic>
-        <p:nvPicPr>
-          <p:cNvPr id="9" name="Picture 8">
-            <a:extLst>
-              <a:ext uri="{FF2B5EF4-FFF2-40B4-BE49-F238E27FC236}">
-                <a16:creationId xmlns:a16="http://schemas.microsoft.com/office/drawing/2014/main" id="{263423DA-3A6B-4921-945F-79C47129D45B}"/>
+                <a16:creationId xmlns:a16="http://schemas.microsoft.com/office/drawing/2014/main" id="{A5DF9528-3FE4-4E8A-82EB-BA4D883042F6}"/>
               </a:ext>
             </a:extLst>
           </p:cNvPr>
@@ -5429,38 +5834,8 @@
         </p:blipFill>
         <p:spPr>
           <a:xfrm>
-            <a:off x="199444" y="3263092"/>
-            <a:ext cx="5051825" cy="2743200"/>
-          </a:xfrm>
-          <a:prstGeom prst="rect">
-            <a:avLst/>
-          </a:prstGeom>
-        </p:spPr>
-      </p:pic>
-      <p:pic>
-        <p:nvPicPr>
-          <p:cNvPr id="10" name="Picture 9">
-            <a:extLst>
-              <a:ext uri="{FF2B5EF4-FFF2-40B4-BE49-F238E27FC236}">
-                <a16:creationId xmlns:a16="http://schemas.microsoft.com/office/drawing/2014/main" id="{10E9D6DD-F56B-44E7-8634-7B159BD9F105}"/>
-              </a:ext>
-            </a:extLst>
-          </p:cNvPr>
-          <p:cNvPicPr>
-            <a:picLocks noChangeAspect="1"/>
-          </p:cNvPicPr>
-          <p:nvPr/>
-        </p:nvPicPr>
-        <p:blipFill>
-          <a:blip r:embed="rId4"/>
-          <a:stretch>
-            <a:fillRect/>
-          </a:stretch>
-        </p:blipFill>
-        <p:spPr>
-          <a:xfrm>
-            <a:off x="4057650" y="3137469"/>
-            <a:ext cx="8134350" cy="180975"/>
+            <a:off x="6401654" y="2297380"/>
+            <a:ext cx="5705475" cy="1333500"/>
           </a:xfrm>
           <a:prstGeom prst="rect">
             <a:avLst/>
@@ -5470,7 +5845,7 @@
     </p:spTree>
     <p:extLst>
       <p:ext uri="{BB962C8B-B14F-4D97-AF65-F5344CB8AC3E}">
-        <p14:creationId xmlns:p14="http://schemas.microsoft.com/office/powerpoint/2010/main" val="3537966286"/>
+        <p14:creationId xmlns:p14="http://schemas.microsoft.com/office/powerpoint/2010/main" val="1840594324"/>
       </p:ext>
     </p:extLst>
   </p:cSld>
@@ -5502,7 +5877,7 @@
           <p:cNvPr id="2" name="Title 1">
             <a:extLst>
               <a:ext uri="{FF2B5EF4-FFF2-40B4-BE49-F238E27FC236}">
-                <a16:creationId xmlns:a16="http://schemas.microsoft.com/office/drawing/2014/main" id="{DF70F0AD-0FFF-4E56-AFAF-BFE8E1EC5ABC}"/>
+                <a16:creationId xmlns:a16="http://schemas.microsoft.com/office/drawing/2014/main" id="{262D73DE-5A14-4487-872D-CE32B425AFAA}"/>
               </a:ext>
             </a:extLst>
           </p:cNvPr>
@@ -5513,12 +5888,7 @@
             <p:ph type="title"/>
           </p:nvPr>
         </p:nvSpPr>
-        <p:spPr>
-          <a:xfrm>
-            <a:off x="1097280" y="286604"/>
-            <a:ext cx="10058400" cy="741008"/>
-          </a:xfrm>
-        </p:spPr>
+        <p:spPr/>
         <p:txBody>
           <a:bodyPr>
             <a:normAutofit fontScale="90000"/>
@@ -5526,18 +5896,18 @@
           <a:lstStyle/>
           <a:p>
             <a:r>
-              <a:rPr lang="en-US" sz="2800" dirty="0"/>
-              <a:t>Is there an apparent relationship between the bitterness of the beer and its alcoholic content? Draw a scatter plot.</a:t>
+              <a:rPr lang="en-US" dirty="0"/>
+              <a:t>Which state has the maximum alcoholic (ABV) beer? Which state has the most bitter (IBU) beer?</a:t>
             </a:r>
           </a:p>
         </p:txBody>
       </p:sp>
       <p:pic>
         <p:nvPicPr>
-          <p:cNvPr id="6" name="Picture 5">
+          <p:cNvPr id="4" name="Picture 3">
             <a:extLst>
               <a:ext uri="{FF2B5EF4-FFF2-40B4-BE49-F238E27FC236}">
-                <a16:creationId xmlns:a16="http://schemas.microsoft.com/office/drawing/2014/main" id="{EB8E685E-7A8B-41E4-9857-C9A3C19BA436}"/>
+                <a16:creationId xmlns:a16="http://schemas.microsoft.com/office/drawing/2014/main" id="{6A5B7889-EBD8-47F1-8BBD-9FA754A85E1D}"/>
               </a:ext>
             </a:extLst>
           </p:cNvPr>
@@ -5554,68 +5924,8 @@
         </p:blipFill>
         <p:spPr>
           <a:xfrm>
-            <a:off x="702995" y="1132522"/>
-            <a:ext cx="5799715" cy="1209675"/>
-          </a:xfrm>
-          <a:prstGeom prst="rect">
-            <a:avLst/>
-          </a:prstGeom>
-        </p:spPr>
-      </p:pic>
-      <p:pic>
-        <p:nvPicPr>
-          <p:cNvPr id="7" name="Picture 6">
-            <a:extLst>
-              <a:ext uri="{FF2B5EF4-FFF2-40B4-BE49-F238E27FC236}">
-                <a16:creationId xmlns:a16="http://schemas.microsoft.com/office/drawing/2014/main" id="{91139406-47F1-4B95-BF3A-1AD8222FEF2A}"/>
-              </a:ext>
-            </a:extLst>
-          </p:cNvPr>
-          <p:cNvPicPr>
-            <a:picLocks noChangeAspect="1"/>
-          </p:cNvPicPr>
-          <p:nvPr/>
-        </p:nvPicPr>
-        <p:blipFill>
-          <a:blip r:embed="rId3"/>
-          <a:stretch>
-            <a:fillRect/>
-          </a:stretch>
-        </p:blipFill>
-        <p:spPr>
-          <a:xfrm>
-            <a:off x="6502710" y="1132522"/>
-            <a:ext cx="5301363" cy="4267200"/>
-          </a:xfrm>
-          <a:prstGeom prst="rect">
-            <a:avLst/>
-          </a:prstGeom>
-        </p:spPr>
-      </p:pic>
-      <p:pic>
-        <p:nvPicPr>
-          <p:cNvPr id="8" name="Picture 7">
-            <a:extLst>
-              <a:ext uri="{FF2B5EF4-FFF2-40B4-BE49-F238E27FC236}">
-                <a16:creationId xmlns:a16="http://schemas.microsoft.com/office/drawing/2014/main" id="{58B8273B-B7BE-47D0-AF7D-1E9DDB20FF0A}"/>
-              </a:ext>
-            </a:extLst>
-          </p:cNvPr>
-          <p:cNvPicPr>
-            <a:picLocks noChangeAspect="1"/>
-          </p:cNvPicPr>
-          <p:nvPr/>
-        </p:nvPicPr>
-        <p:blipFill>
-          <a:blip r:embed="rId4"/>
-          <a:stretch>
-            <a:fillRect/>
-          </a:stretch>
-        </p:blipFill>
-        <p:spPr>
-          <a:xfrm>
-            <a:off x="702995" y="2318384"/>
-            <a:ext cx="5799714" cy="1810271"/>
+            <a:off x="2017136" y="1983337"/>
+            <a:ext cx="8836912" cy="4031886"/>
           </a:xfrm>
           <a:prstGeom prst="rect">
             <a:avLst/>
@@ -5625,7 +5935,7 @@
     </p:spTree>
     <p:extLst>
       <p:ext uri="{BB962C8B-B14F-4D97-AF65-F5344CB8AC3E}">
-        <p14:creationId xmlns:p14="http://schemas.microsoft.com/office/powerpoint/2010/main" val="1461542274"/>
+        <p14:creationId xmlns:p14="http://schemas.microsoft.com/office/powerpoint/2010/main" val="3873731843"/>
       </p:ext>
     </p:extLst>
   </p:cSld>
@@ -5657,7 +5967,7 @@
           <p:cNvPr id="2" name="Title 1">
             <a:extLst>
               <a:ext uri="{FF2B5EF4-FFF2-40B4-BE49-F238E27FC236}">
-                <a16:creationId xmlns:a16="http://schemas.microsoft.com/office/drawing/2014/main" id="{2D90F74B-55B4-4AE1-95FC-8403FC7870AD}"/>
+                <a16:creationId xmlns:a16="http://schemas.microsoft.com/office/drawing/2014/main" id="{8DC7CA65-BA16-468E-818D-AD78F2587075}"/>
               </a:ext>
             </a:extLst>
           </p:cNvPr>
@@ -5668,21 +5978,16 @@
             <p:ph type="title"/>
           </p:nvPr>
         </p:nvSpPr>
-        <p:spPr>
-          <a:xfrm>
-            <a:off x="1002852" y="609600"/>
-            <a:ext cx="10058400" cy="600891"/>
-          </a:xfrm>
-        </p:spPr>
+        <p:spPr/>
         <p:txBody>
           <a:bodyPr>
-            <a:noAutofit/>
+            <a:normAutofit/>
           </a:bodyPr>
           <a:lstStyle/>
           <a:p>
             <a:r>
-              <a:rPr lang="en-US" sz="1800" dirty="0"/>
-              <a:t>Budweiser would also like to investigate the difference with respect to IBU and ABV between IPAs (India Pale Ales) and other types of Ale (any beer with “Ale” in its name other than IPA).</a:t>
+              <a:rPr lang="en-US" dirty="0"/>
+              <a:t>Comment on the summary statistics and distribution of the ABV variable</a:t>
             </a:r>
           </a:p>
         </p:txBody>
@@ -5692,7 +5997,7 @@
           <p:cNvPr id="4" name="Picture 3">
             <a:extLst>
               <a:ext uri="{FF2B5EF4-FFF2-40B4-BE49-F238E27FC236}">
-                <a16:creationId xmlns:a16="http://schemas.microsoft.com/office/drawing/2014/main" id="{CCB51747-710E-4C71-823C-829B7ECC37BC}"/>
+                <a16:creationId xmlns:a16="http://schemas.microsoft.com/office/drawing/2014/main" id="{CC494DE3-9B1A-428B-96A9-A24770E55913}"/>
               </a:ext>
             </a:extLst>
           </p:cNvPr>
@@ -5709,20 +6014,69 @@
         </p:blipFill>
         <p:spPr>
           <a:xfrm>
-            <a:off x="6423513" y="1512124"/>
-            <a:ext cx="5768487" cy="4142509"/>
+            <a:off x="199444" y="1787847"/>
+            <a:ext cx="7967335" cy="1349622"/>
           </a:xfrm>
           <a:prstGeom prst="rect">
             <a:avLst/>
           </a:prstGeom>
         </p:spPr>
       </p:pic>
+      <p:sp>
+        <p:nvSpPr>
+          <p:cNvPr id="8" name="Rectangle: Rounded Corners 7">
+            <a:extLst>
+              <a:ext uri="{FF2B5EF4-FFF2-40B4-BE49-F238E27FC236}">
+                <a16:creationId xmlns:a16="http://schemas.microsoft.com/office/drawing/2014/main" id="{A5D6BF2E-651E-496C-B41B-4CBC1BC6FC19}"/>
+              </a:ext>
+            </a:extLst>
+          </p:cNvPr>
+          <p:cNvSpPr/>
+          <p:nvPr/>
+        </p:nvSpPr>
+        <p:spPr>
+          <a:xfrm>
+            <a:off x="5528281" y="4090369"/>
+            <a:ext cx="6379859" cy="1891622"/>
+          </a:xfrm>
+          <a:prstGeom prst="roundRect">
+            <a:avLst/>
+          </a:prstGeom>
+        </p:spPr>
+        <p:style>
+          <a:lnRef idx="2">
+            <a:schemeClr val="accent2">
+              <a:shade val="50000"/>
+            </a:schemeClr>
+          </a:lnRef>
+          <a:fillRef idx="1">
+            <a:schemeClr val="accent2"/>
+          </a:fillRef>
+          <a:effectRef idx="0">
+            <a:schemeClr val="accent2"/>
+          </a:effectRef>
+          <a:fontRef idx="minor">
+            <a:schemeClr val="lt1"/>
+          </a:fontRef>
+        </p:style>
+        <p:txBody>
+          <a:bodyPr rtlCol="0" anchor="ctr"/>
+          <a:lstStyle/>
+          <a:p>
+            <a:pPr algn="ctr"/>
+            <a:r>
+              <a:rPr lang="en-US" dirty="0"/>
+              <a:t>Looking at a histogram of the data, it seems to be a bit right-skewed.  This makes sense because beer is not meant to be a very high ABV drink—the high ABV beers would be more rare.</a:t>
+            </a:r>
+          </a:p>
+        </p:txBody>
+      </p:sp>
       <p:pic>
         <p:nvPicPr>
-          <p:cNvPr id="3" name="Picture 2">
+          <p:cNvPr id="9" name="Picture 8">
             <a:extLst>
               <a:ext uri="{FF2B5EF4-FFF2-40B4-BE49-F238E27FC236}">
-                <a16:creationId xmlns:a16="http://schemas.microsoft.com/office/drawing/2014/main" id="{8B094041-7281-423E-9AAF-65455478B733}"/>
+                <a16:creationId xmlns:a16="http://schemas.microsoft.com/office/drawing/2014/main" id="{263423DA-3A6B-4921-945F-79C47129D45B}"/>
               </a:ext>
             </a:extLst>
           </p:cNvPr>
@@ -5739,8 +6093,38 @@
         </p:blipFill>
         <p:spPr>
           <a:xfrm>
-            <a:off x="852448" y="1512124"/>
-            <a:ext cx="5768487" cy="3833752"/>
+            <a:off x="199444" y="3263092"/>
+            <a:ext cx="5051825" cy="2743200"/>
+          </a:xfrm>
+          <a:prstGeom prst="rect">
+            <a:avLst/>
+          </a:prstGeom>
+        </p:spPr>
+      </p:pic>
+      <p:pic>
+        <p:nvPicPr>
+          <p:cNvPr id="10" name="Picture 9">
+            <a:extLst>
+              <a:ext uri="{FF2B5EF4-FFF2-40B4-BE49-F238E27FC236}">
+                <a16:creationId xmlns:a16="http://schemas.microsoft.com/office/drawing/2014/main" id="{10E9D6DD-F56B-44E7-8634-7B159BD9F105}"/>
+              </a:ext>
+            </a:extLst>
+          </p:cNvPr>
+          <p:cNvPicPr>
+            <a:picLocks noChangeAspect="1"/>
+          </p:cNvPicPr>
+          <p:nvPr/>
+        </p:nvPicPr>
+        <p:blipFill>
+          <a:blip r:embed="rId4"/>
+          <a:stretch>
+            <a:fillRect/>
+          </a:stretch>
+        </p:blipFill>
+        <p:spPr>
+          <a:xfrm>
+            <a:off x="4057650" y="3137469"/>
+            <a:ext cx="8134350" cy="180975"/>
           </a:xfrm>
           <a:prstGeom prst="rect">
             <a:avLst/>
@@ -5750,7 +6134,7 @@
     </p:spTree>
     <p:extLst>
       <p:ext uri="{BB962C8B-B14F-4D97-AF65-F5344CB8AC3E}">
-        <p14:creationId xmlns:p14="http://schemas.microsoft.com/office/powerpoint/2010/main" val="4133721459"/>
+        <p14:creationId xmlns:p14="http://schemas.microsoft.com/office/powerpoint/2010/main" val="3537966286"/>
       </p:ext>
     </p:extLst>
   </p:cSld>
@@ -6044,6 +6428,12 @@
 </file>
 
 <file path=customXml/item1.xml><?xml version="1.0" encoding="utf-8"?>
+<p:properties xmlns:p="http://schemas.microsoft.com/office/2006/metadata/properties" xmlns:xsi="http://www.w3.org/2001/XMLSchema-instance" xmlns:pc="http://schemas.microsoft.com/office/infopath/2007/PartnerControls">
+  <documentManagement/>
+</p:properties>
+</file>
+
+<file path=customXml/item2.xml><?xml version="1.0" encoding="utf-8"?>
 <ct:contentTypeSchema xmlns:ct="http://schemas.microsoft.com/office/2006/metadata/contentType" xmlns:ma="http://schemas.microsoft.com/office/2006/metadata/properties/metaAttributes" ct:_="" ma:_="" ma:contentTypeName="Document" ma:contentTypeID="0x0101003C0BA6BF2416CD43A60D28240827C86E" ma:contentTypeVersion="10" ma:contentTypeDescription="Create a new document." ma:contentTypeScope="" ma:versionID="6e665830126c20e60ec29bafc350dc1c">
   <xsd:schema xmlns:xsd="http://www.w3.org/2001/XMLSchema" xmlns:xs="http://www.w3.org/2001/XMLSchema" xmlns:p="http://schemas.microsoft.com/office/2006/metadata/properties" xmlns:ns3="07878a98-0f1e-4190-8f00-5aca1bf2569a" targetNamespace="http://schemas.microsoft.com/office/2006/metadata/properties" ma:root="true" ma:fieldsID="9efd533562bd0b5f6677ab7eca7edc86" ns3:_="">
     <xsd:import namespace="07878a98-0f1e-4190-8f00-5aca1bf2569a"/>
@@ -6227,12 +6617,6 @@
 </ct:contentTypeSchema>
 </file>
 
-<file path=customXml/item2.xml><?xml version="1.0" encoding="utf-8"?>
-<p:properties xmlns:p="http://schemas.microsoft.com/office/2006/metadata/properties" xmlns:xsi="http://www.w3.org/2001/XMLSchema-instance" xmlns:pc="http://schemas.microsoft.com/office/infopath/2007/PartnerControls">
-  <documentManagement/>
-</p:properties>
-</file>
-
 <file path=customXml/item3.xml><?xml version="1.0" encoding="utf-8"?>
 <?mso-contentType ?>
 <FormTemplates xmlns="http://schemas.microsoft.com/sharepoint/v3/contenttype/forms">
@@ -6243,6 +6627,15 @@
 </file>
 
 <file path=customXml/itemProps1.xml><?xml version="1.0" encoding="utf-8"?>
+<ds:datastoreItem xmlns:ds="http://schemas.openxmlformats.org/officeDocument/2006/customXml" ds:itemID="{416EA3AB-A567-4DBE-B1FD-2EBF5BEFE93D}">
+  <ds:schemaRefs>
+    <ds:schemaRef ds:uri="http://schemas.microsoft.com/office/2006/metadata/properties"/>
+    <ds:schemaRef ds:uri="http://schemas.microsoft.com/office/infopath/2007/PartnerControls"/>
+  </ds:schemaRefs>
+</ds:datastoreItem>
+</file>
+
+<file path=customXml/itemProps2.xml><?xml version="1.0" encoding="utf-8"?>
 <ds:datastoreItem xmlns:ds="http://schemas.openxmlformats.org/officeDocument/2006/customXml" ds:itemID="{E3C2B133-A34A-4153-A8DB-1725862FDE5C}">
   <ds:schemaRefs>
     <ds:schemaRef ds:uri="http://schemas.microsoft.com/office/2006/metadata/contentType"/>
@@ -6260,15 +6653,6 @@
 </ds:datastoreItem>
 </file>
 
-<file path=customXml/itemProps2.xml><?xml version="1.0" encoding="utf-8"?>
-<ds:datastoreItem xmlns:ds="http://schemas.openxmlformats.org/officeDocument/2006/customXml" ds:itemID="{416EA3AB-A567-4DBE-B1FD-2EBF5BEFE93D}">
-  <ds:schemaRefs>
-    <ds:schemaRef ds:uri="http://schemas.microsoft.com/office/2006/metadata/properties"/>
-    <ds:schemaRef ds:uri="http://schemas.microsoft.com/office/infopath/2007/PartnerControls"/>
-  </ds:schemaRefs>
-</ds:datastoreItem>
-</file>
-
 <file path=customXml/itemProps3.xml><?xml version="1.0" encoding="utf-8"?>
 <ds:datastoreItem xmlns:ds="http://schemas.openxmlformats.org/officeDocument/2006/customXml" ds:itemID="{C050162C-42BD-43BE-8D89-1DC95FF00944}">
   <ds:schemaRefs>
